--- a/README.pptx
+++ b/README.pptx
@@ -7,6 +7,7 @@
   <p:sldIdLst>
     <p:sldId id="256" r:id="rId2"/>
     <p:sldId id="257" r:id="rId3"/>
+    <p:sldId id="258" r:id="rId4"/>
   </p:sldIdLst>
   <p:sldSz cx="12192000" cy="6858000"/>
   <p:notesSz cx="6858000" cy="9144000"/>
@@ -105,6 +106,11 @@
       </a:defRPr>
     </a:lvl9pPr>
   </p:defaultTextStyle>
+  <p:extLst>
+    <p:ext uri="{EFAFB233-063F-42B5-8137-9DF3F51BA10A}">
+      <p15:sldGuideLst xmlns:p15="http://schemas.microsoft.com/office/powerpoint/2012/main"/>
+    </p:ext>
+  </p:extLst>
 </p:presentation>
 </file>
 
@@ -257,7 +263,7 @@
           <a:p>
             <a:fld id="{D5D10AAE-E4B2-478C-86C1-601A298F955C}" type="datetimeFigureOut">
               <a:rPr lang="en-GB" smtClean="0"/>
-              <a:t>07/01/2024</a:t>
+              <a:t>17/01/2024</a:t>
             </a:fld>
             <a:endParaRPr lang="en-GB"/>
           </a:p>
@@ -457,7 +463,7 @@
           <a:p>
             <a:fld id="{D5D10AAE-E4B2-478C-86C1-601A298F955C}" type="datetimeFigureOut">
               <a:rPr lang="en-GB" smtClean="0"/>
-              <a:t>07/01/2024</a:t>
+              <a:t>17/01/2024</a:t>
             </a:fld>
             <a:endParaRPr lang="en-GB"/>
           </a:p>
@@ -667,7 +673,7 @@
           <a:p>
             <a:fld id="{D5D10AAE-E4B2-478C-86C1-601A298F955C}" type="datetimeFigureOut">
               <a:rPr lang="en-GB" smtClean="0"/>
-              <a:t>07/01/2024</a:t>
+              <a:t>17/01/2024</a:t>
             </a:fld>
             <a:endParaRPr lang="en-GB"/>
           </a:p>
@@ -867,7 +873,7 @@
           <a:p>
             <a:fld id="{D5D10AAE-E4B2-478C-86C1-601A298F955C}" type="datetimeFigureOut">
               <a:rPr lang="en-GB" smtClean="0"/>
-              <a:t>07/01/2024</a:t>
+              <a:t>17/01/2024</a:t>
             </a:fld>
             <a:endParaRPr lang="en-GB"/>
           </a:p>
@@ -1143,7 +1149,7 @@
           <a:p>
             <a:fld id="{D5D10AAE-E4B2-478C-86C1-601A298F955C}" type="datetimeFigureOut">
               <a:rPr lang="en-GB" smtClean="0"/>
-              <a:t>07/01/2024</a:t>
+              <a:t>17/01/2024</a:t>
             </a:fld>
             <a:endParaRPr lang="en-GB"/>
           </a:p>
@@ -1411,7 +1417,7 @@
           <a:p>
             <a:fld id="{D5D10AAE-E4B2-478C-86C1-601A298F955C}" type="datetimeFigureOut">
               <a:rPr lang="en-GB" smtClean="0"/>
-              <a:t>07/01/2024</a:t>
+              <a:t>17/01/2024</a:t>
             </a:fld>
             <a:endParaRPr lang="en-GB"/>
           </a:p>
@@ -1826,7 +1832,7 @@
           <a:p>
             <a:fld id="{D5D10AAE-E4B2-478C-86C1-601A298F955C}" type="datetimeFigureOut">
               <a:rPr lang="en-GB" smtClean="0"/>
-              <a:t>07/01/2024</a:t>
+              <a:t>17/01/2024</a:t>
             </a:fld>
             <a:endParaRPr lang="en-GB"/>
           </a:p>
@@ -1968,7 +1974,7 @@
           <a:p>
             <a:fld id="{D5D10AAE-E4B2-478C-86C1-601A298F955C}" type="datetimeFigureOut">
               <a:rPr lang="en-GB" smtClean="0"/>
-              <a:t>07/01/2024</a:t>
+              <a:t>17/01/2024</a:t>
             </a:fld>
             <a:endParaRPr lang="en-GB"/>
           </a:p>
@@ -2081,7 +2087,7 @@
           <a:p>
             <a:fld id="{D5D10AAE-E4B2-478C-86C1-601A298F955C}" type="datetimeFigureOut">
               <a:rPr lang="en-GB" smtClean="0"/>
-              <a:t>07/01/2024</a:t>
+              <a:t>17/01/2024</a:t>
             </a:fld>
             <a:endParaRPr lang="en-GB"/>
           </a:p>
@@ -2394,7 +2400,7 @@
           <a:p>
             <a:fld id="{D5D10AAE-E4B2-478C-86C1-601A298F955C}" type="datetimeFigureOut">
               <a:rPr lang="en-GB" smtClean="0"/>
-              <a:t>07/01/2024</a:t>
+              <a:t>17/01/2024</a:t>
             </a:fld>
             <a:endParaRPr lang="en-GB"/>
           </a:p>
@@ -2683,7 +2689,7 @@
           <a:p>
             <a:fld id="{D5D10AAE-E4B2-478C-86C1-601A298F955C}" type="datetimeFigureOut">
               <a:rPr lang="en-GB" smtClean="0"/>
-              <a:t>07/01/2024</a:t>
+              <a:t>17/01/2024</a:t>
             </a:fld>
             <a:endParaRPr lang="en-GB"/>
           </a:p>
@@ -2926,7 +2932,7 @@
           <a:p>
             <a:fld id="{D5D10AAE-E4B2-478C-86C1-601A298F955C}" type="datetimeFigureOut">
               <a:rPr lang="en-GB" smtClean="0"/>
-              <a:t>07/01/2024</a:t>
+              <a:t>17/01/2024</a:t>
             </a:fld>
             <a:endParaRPr lang="en-GB"/>
           </a:p>
@@ -5230,6 +5236,9 @@
               <a:gd name="adj2" fmla="val 52669"/>
             </a:avLst>
           </a:prstGeom>
+          <a:ln>
+            <a:noFill/>
+          </a:ln>
         </p:spPr>
         <p:style>
           <a:lnRef idx="2">
@@ -5543,6 +5552,519 @@
     <p:extLst>
       <p:ext uri="{BB962C8B-B14F-4D97-AF65-F5344CB8AC3E}">
         <p14:creationId xmlns:p14="http://schemas.microsoft.com/office/powerpoint/2010/main" val="93581323"/>
+      </p:ext>
+    </p:extLst>
+  </p:cSld>
+  <p:clrMapOvr>
+    <a:masterClrMapping/>
+  </p:clrMapOvr>
+</p:sld>
+</file>
+
+<file path=ppt/slides/slide3.xml><?xml version="1.0" encoding="utf-8"?>
+<p:sld xmlns:a="http://schemas.openxmlformats.org/drawingml/2006/main" xmlns:r="http://schemas.openxmlformats.org/officeDocument/2006/relationships" xmlns:p="http://schemas.openxmlformats.org/presentationml/2006/main">
+  <p:cSld>
+    <p:spTree>
+      <p:nvGrpSpPr>
+        <p:cNvPr id="1" name=""/>
+        <p:cNvGrpSpPr/>
+        <p:nvPr/>
+      </p:nvGrpSpPr>
+      <p:grpSpPr>
+        <a:xfrm>
+          <a:off x="0" y="0"/>
+          <a:ext cx="0" cy="0"/>
+          <a:chOff x="0" y="0"/>
+          <a:chExt cx="0" cy="0"/>
+        </a:xfrm>
+      </p:grpSpPr>
+      <p:pic>
+        <p:nvPicPr>
+          <p:cNvPr id="20" name="그림 19">
+            <a:extLst>
+              <a:ext uri="{FF2B5EF4-FFF2-40B4-BE49-F238E27FC236}">
+                <a16:creationId xmlns:a16="http://schemas.microsoft.com/office/drawing/2014/main" id="{EC9F4E9C-8810-6FE1-3A4D-548C59E2DCFD}"/>
+              </a:ext>
+            </a:extLst>
+          </p:cNvPr>
+          <p:cNvPicPr>
+            <a:picLocks noChangeAspect="1"/>
+          </p:cNvPicPr>
+          <p:nvPr/>
+        </p:nvPicPr>
+        <p:blipFill>
+          <a:blip r:embed="rId2"/>
+          <a:stretch>
+            <a:fillRect/>
+          </a:stretch>
+        </p:blipFill>
+        <p:spPr>
+          <a:xfrm>
+            <a:off x="2004235" y="313362"/>
+            <a:ext cx="6696353" cy="5979560"/>
+          </a:xfrm>
+          <a:prstGeom prst="rect">
+            <a:avLst/>
+          </a:prstGeom>
+        </p:spPr>
+      </p:pic>
+      <p:sp>
+        <p:nvSpPr>
+          <p:cNvPr id="6" name="타원 5">
+            <a:extLst>
+              <a:ext uri="{FF2B5EF4-FFF2-40B4-BE49-F238E27FC236}">
+                <a16:creationId xmlns:a16="http://schemas.microsoft.com/office/drawing/2014/main" id="{B78899D0-F376-5D1C-B04A-61E300945AA9}"/>
+              </a:ext>
+            </a:extLst>
+          </p:cNvPr>
+          <p:cNvSpPr/>
+          <p:nvPr/>
+        </p:nvSpPr>
+        <p:spPr>
+          <a:xfrm>
+            <a:off x="2296274" y="878440"/>
+            <a:ext cx="354459" cy="333910"/>
+          </a:xfrm>
+          <a:prstGeom prst="ellipse">
+            <a:avLst/>
+          </a:prstGeom>
+          <a:noFill/>
+          <a:ln w="28575">
+            <a:solidFill>
+              <a:srgbClr val="C00000"/>
+            </a:solidFill>
+          </a:ln>
+        </p:spPr>
+        <p:style>
+          <a:lnRef idx="2">
+            <a:schemeClr val="accent1">
+              <a:shade val="15000"/>
+            </a:schemeClr>
+          </a:lnRef>
+          <a:fillRef idx="1">
+            <a:schemeClr val="accent1"/>
+          </a:fillRef>
+          <a:effectRef idx="0">
+            <a:schemeClr val="accent1"/>
+          </a:effectRef>
+          <a:fontRef idx="minor">
+            <a:schemeClr val="lt1"/>
+          </a:fontRef>
+        </p:style>
+        <p:txBody>
+          <a:bodyPr rtlCol="0" anchor="ctr"/>
+          <a:lstStyle/>
+          <a:p>
+            <a:pPr algn="ctr"/>
+            <a:endParaRPr lang="en-GB"/>
+          </a:p>
+        </p:txBody>
+      </p:sp>
+      <p:cxnSp>
+        <p:nvCxnSpPr>
+          <p:cNvPr id="10" name="직선 화살표 연결선 9">
+            <a:extLst>
+              <a:ext uri="{FF2B5EF4-FFF2-40B4-BE49-F238E27FC236}">
+                <a16:creationId xmlns:a16="http://schemas.microsoft.com/office/drawing/2014/main" id="{B1069D2B-E963-272B-E4CE-13BAE3C6B648}"/>
+              </a:ext>
+            </a:extLst>
+          </p:cNvPr>
+          <p:cNvCxnSpPr/>
+          <p:nvPr/>
+        </p:nvCxnSpPr>
+        <p:spPr>
+          <a:xfrm flipV="1">
+            <a:off x="1094198" y="1212350"/>
+            <a:ext cx="1268858" cy="1027416"/>
+          </a:xfrm>
+          <a:prstGeom prst="straightConnector1">
+            <a:avLst/>
+          </a:prstGeom>
+          <a:ln w="19050">
+            <a:solidFill>
+              <a:srgbClr val="C00000"/>
+            </a:solidFill>
+            <a:tailEnd type="triangle"/>
+          </a:ln>
+        </p:spPr>
+        <p:style>
+          <a:lnRef idx="1">
+            <a:schemeClr val="accent1"/>
+          </a:lnRef>
+          <a:fillRef idx="0">
+            <a:schemeClr val="accent1"/>
+          </a:fillRef>
+          <a:effectRef idx="0">
+            <a:schemeClr val="accent1"/>
+          </a:effectRef>
+          <a:fontRef idx="minor">
+            <a:schemeClr val="tx1"/>
+          </a:fontRef>
+        </p:style>
+      </p:cxnSp>
+      <p:sp>
+        <p:nvSpPr>
+          <p:cNvPr id="11" name="TextBox 10">
+            <a:extLst>
+              <a:ext uri="{FF2B5EF4-FFF2-40B4-BE49-F238E27FC236}">
+                <a16:creationId xmlns:a16="http://schemas.microsoft.com/office/drawing/2014/main" id="{252E0E32-D532-05EF-55F3-90D7360781FE}"/>
+              </a:ext>
+            </a:extLst>
+          </p:cNvPr>
+          <p:cNvSpPr txBox="1"/>
+          <p:nvPr/>
+        </p:nvSpPr>
+        <p:spPr>
+          <a:xfrm>
+            <a:off x="554805" y="2337371"/>
+            <a:ext cx="830677" cy="307777"/>
+          </a:xfrm>
+          <a:prstGeom prst="rect">
+            <a:avLst/>
+          </a:prstGeom>
+          <a:noFill/>
+        </p:spPr>
+        <p:txBody>
+          <a:bodyPr wrap="none" rtlCol="0">
+            <a:spAutoFit/>
+          </a:bodyPr>
+          <a:lstStyle/>
+          <a:p>
+            <a:r>
+              <a:rPr lang="en-GB" sz="1400" b="1" dirty="0">
+                <a:solidFill>
+                  <a:srgbClr val="C00000"/>
+                </a:solidFill>
+              </a:rPr>
+              <a:t>Job </a:t>
+            </a:r>
+            <a:r>
+              <a:rPr lang="ko-KR" altLang="en-US" sz="1400" b="1" dirty="0">
+                <a:solidFill>
+                  <a:srgbClr val="C00000"/>
+                </a:solidFill>
+              </a:rPr>
+              <a:t>이름</a:t>
+            </a:r>
+            <a:endParaRPr lang="en-GB" sz="1400" b="1" dirty="0">
+              <a:solidFill>
+                <a:srgbClr val="C00000"/>
+              </a:solidFill>
+            </a:endParaRPr>
+          </a:p>
+        </p:txBody>
+      </p:sp>
+      <p:sp>
+        <p:nvSpPr>
+          <p:cNvPr id="12" name="TextBox 11">
+            <a:extLst>
+              <a:ext uri="{FF2B5EF4-FFF2-40B4-BE49-F238E27FC236}">
+                <a16:creationId xmlns:a16="http://schemas.microsoft.com/office/drawing/2014/main" id="{191D83BA-85F9-89F3-F05B-181A45B8ADEC}"/>
+              </a:ext>
+            </a:extLst>
+          </p:cNvPr>
+          <p:cNvSpPr txBox="1"/>
+          <p:nvPr/>
+        </p:nvSpPr>
+        <p:spPr>
+          <a:xfrm>
+            <a:off x="2914000" y="639790"/>
+            <a:ext cx="670312" cy="307777"/>
+          </a:xfrm>
+          <a:prstGeom prst="rect">
+            <a:avLst/>
+          </a:prstGeom>
+          <a:noFill/>
+        </p:spPr>
+        <p:txBody>
+          <a:bodyPr wrap="none" rtlCol="0">
+            <a:spAutoFit/>
+          </a:bodyPr>
+          <a:lstStyle/>
+          <a:p>
+            <a:r>
+              <a:rPr lang="en-GB" sz="1400" b="1" dirty="0">
+                <a:solidFill>
+                  <a:srgbClr val="C00000"/>
+                </a:solidFill>
+              </a:rPr>
+              <a:t>matrix</a:t>
+            </a:r>
+          </a:p>
+        </p:txBody>
+      </p:sp>
+      <p:cxnSp>
+        <p:nvCxnSpPr>
+          <p:cNvPr id="13" name="직선 화살표 연결선 12">
+            <a:extLst>
+              <a:ext uri="{FF2B5EF4-FFF2-40B4-BE49-F238E27FC236}">
+                <a16:creationId xmlns:a16="http://schemas.microsoft.com/office/drawing/2014/main" id="{8418494B-8BB6-927C-2B6F-D3C102C52789}"/>
+              </a:ext>
+            </a:extLst>
+          </p:cNvPr>
+          <p:cNvCxnSpPr>
+            <a:cxnSpLocks/>
+            <a:stCxn id="6" idx="4"/>
+          </p:cNvCxnSpPr>
+          <p:nvPr/>
+        </p:nvCxnSpPr>
+        <p:spPr>
+          <a:xfrm>
+            <a:off x="2473504" y="1212350"/>
+            <a:ext cx="2170415" cy="852756"/>
+          </a:xfrm>
+          <a:prstGeom prst="straightConnector1">
+            <a:avLst/>
+          </a:prstGeom>
+          <a:ln w="19050">
+            <a:solidFill>
+              <a:srgbClr val="C00000"/>
+            </a:solidFill>
+            <a:tailEnd type="triangle"/>
+          </a:ln>
+        </p:spPr>
+        <p:style>
+          <a:lnRef idx="1">
+            <a:schemeClr val="accent1"/>
+          </a:lnRef>
+          <a:fillRef idx="0">
+            <a:schemeClr val="accent1"/>
+          </a:fillRef>
+          <a:effectRef idx="0">
+            <a:schemeClr val="accent1"/>
+          </a:effectRef>
+          <a:fontRef idx="minor">
+            <a:schemeClr val="tx1"/>
+          </a:fontRef>
+        </p:style>
+      </p:cxnSp>
+      <p:cxnSp>
+        <p:nvCxnSpPr>
+          <p:cNvPr id="18" name="직선 연결선 17">
+            <a:extLst>
+              <a:ext uri="{FF2B5EF4-FFF2-40B4-BE49-F238E27FC236}">
+                <a16:creationId xmlns:a16="http://schemas.microsoft.com/office/drawing/2014/main" id="{57D7009C-FA04-D627-B7F6-B365C301A87A}"/>
+              </a:ext>
+            </a:extLst>
+          </p:cNvPr>
+          <p:cNvCxnSpPr/>
+          <p:nvPr/>
+        </p:nvCxnSpPr>
+        <p:spPr>
+          <a:xfrm>
+            <a:off x="2702103" y="1212350"/>
+            <a:ext cx="1207214" cy="0"/>
+          </a:xfrm>
+          <a:prstGeom prst="line">
+            <a:avLst/>
+          </a:prstGeom>
+          <a:ln>
+            <a:solidFill>
+              <a:srgbClr val="C00000"/>
+            </a:solidFill>
+          </a:ln>
+        </p:spPr>
+        <p:style>
+          <a:lnRef idx="1">
+            <a:schemeClr val="accent1"/>
+          </a:lnRef>
+          <a:fillRef idx="0">
+            <a:schemeClr val="accent1"/>
+          </a:fillRef>
+          <a:effectRef idx="0">
+            <a:schemeClr val="accent1"/>
+          </a:effectRef>
+          <a:fontRef idx="minor">
+            <a:schemeClr val="tx1"/>
+          </a:fontRef>
+        </p:style>
+      </p:cxnSp>
+      <p:sp>
+        <p:nvSpPr>
+          <p:cNvPr id="25" name="TextBox 24">
+            <a:extLst>
+              <a:ext uri="{FF2B5EF4-FFF2-40B4-BE49-F238E27FC236}">
+                <a16:creationId xmlns:a16="http://schemas.microsoft.com/office/drawing/2014/main" id="{2A846A63-F35F-74D7-838F-9ABDDC274558}"/>
+              </a:ext>
+            </a:extLst>
+          </p:cNvPr>
+          <p:cNvSpPr txBox="1"/>
+          <p:nvPr/>
+        </p:nvSpPr>
+        <p:spPr>
+          <a:xfrm>
+            <a:off x="1706153" y="3547197"/>
+            <a:ext cx="2937124" cy="369332"/>
+          </a:xfrm>
+          <a:prstGeom prst="rect">
+            <a:avLst/>
+          </a:prstGeom>
+          <a:noFill/>
+        </p:spPr>
+        <p:txBody>
+          <a:bodyPr wrap="square">
+            <a:spAutoFit/>
+          </a:bodyPr>
+          <a:lstStyle/>
+          <a:p>
+            <a:r>
+              <a:rPr lang="en-GB" b="1" dirty="0">
+                <a:solidFill>
+                  <a:srgbClr val="C00000"/>
+                </a:solidFill>
+              </a:rPr>
+              <a:t>actions/upload-artifact@v3</a:t>
+            </a:r>
+          </a:p>
+        </p:txBody>
+      </p:sp>
+      <p:sp>
+        <p:nvSpPr>
+          <p:cNvPr id="26" name="타원 25">
+            <a:extLst>
+              <a:ext uri="{FF2B5EF4-FFF2-40B4-BE49-F238E27FC236}">
+                <a16:creationId xmlns:a16="http://schemas.microsoft.com/office/drawing/2014/main" id="{13F2E160-81AF-D38E-0834-F94B58427BBA}"/>
+              </a:ext>
+            </a:extLst>
+          </p:cNvPr>
+          <p:cNvSpPr/>
+          <p:nvPr/>
+        </p:nvSpPr>
+        <p:spPr>
+          <a:xfrm>
+            <a:off x="4274049" y="3097658"/>
+            <a:ext cx="1202077" cy="1202077"/>
+          </a:xfrm>
+          <a:prstGeom prst="ellipse">
+            <a:avLst/>
+          </a:prstGeom>
+          <a:noFill/>
+          <a:ln w="12700">
+            <a:solidFill>
+              <a:srgbClr val="C00000"/>
+            </a:solidFill>
+          </a:ln>
+        </p:spPr>
+        <p:style>
+          <a:lnRef idx="2">
+            <a:schemeClr val="accent1">
+              <a:shade val="15000"/>
+            </a:schemeClr>
+          </a:lnRef>
+          <a:fillRef idx="1">
+            <a:schemeClr val="accent1"/>
+          </a:fillRef>
+          <a:effectRef idx="0">
+            <a:schemeClr val="accent1"/>
+          </a:effectRef>
+          <a:fontRef idx="minor">
+            <a:schemeClr val="lt1"/>
+          </a:fontRef>
+        </p:style>
+        <p:txBody>
+          <a:bodyPr rtlCol="0" anchor="ctr"/>
+          <a:lstStyle/>
+          <a:p>
+            <a:pPr algn="ctr"/>
+            <a:endParaRPr lang="en-GB"/>
+          </a:p>
+        </p:txBody>
+      </p:sp>
+      <p:sp>
+        <p:nvSpPr>
+          <p:cNvPr id="30" name="TextBox 29">
+            <a:extLst>
+              <a:ext uri="{FF2B5EF4-FFF2-40B4-BE49-F238E27FC236}">
+                <a16:creationId xmlns:a16="http://schemas.microsoft.com/office/drawing/2014/main" id="{36628900-BC2B-5340-6EE2-534749B182AF}"/>
+              </a:ext>
+            </a:extLst>
+          </p:cNvPr>
+          <p:cNvSpPr txBox="1"/>
+          <p:nvPr/>
+        </p:nvSpPr>
+        <p:spPr>
+          <a:xfrm>
+            <a:off x="1780640" y="5165646"/>
+            <a:ext cx="2788149" cy="369332"/>
+          </a:xfrm>
+          <a:prstGeom prst="rect">
+            <a:avLst/>
+          </a:prstGeom>
+          <a:noFill/>
+        </p:spPr>
+        <p:txBody>
+          <a:bodyPr wrap="square">
+            <a:spAutoFit/>
+          </a:bodyPr>
+          <a:lstStyle/>
+          <a:p>
+            <a:r>
+              <a:rPr lang="en-GB" b="1" dirty="0">
+                <a:solidFill>
+                  <a:srgbClr val="C00000"/>
+                </a:solidFill>
+              </a:rPr>
+              <a:t>$GITHUB_STEP_SUMMARY</a:t>
+            </a:r>
+          </a:p>
+        </p:txBody>
+      </p:sp>
+      <p:sp>
+        <p:nvSpPr>
+          <p:cNvPr id="31" name="타원 30">
+            <a:extLst>
+              <a:ext uri="{FF2B5EF4-FFF2-40B4-BE49-F238E27FC236}">
+                <a16:creationId xmlns:a16="http://schemas.microsoft.com/office/drawing/2014/main" id="{47347AF6-CB7D-829E-A919-A8F5F15C3341}"/>
+              </a:ext>
+            </a:extLst>
+          </p:cNvPr>
+          <p:cNvSpPr/>
+          <p:nvPr/>
+        </p:nvSpPr>
+        <p:spPr>
+          <a:xfrm>
+            <a:off x="4191345" y="4749274"/>
+            <a:ext cx="1202077" cy="1202077"/>
+          </a:xfrm>
+          <a:prstGeom prst="ellipse">
+            <a:avLst/>
+          </a:prstGeom>
+          <a:noFill/>
+          <a:ln w="12700">
+            <a:solidFill>
+              <a:srgbClr val="C00000"/>
+            </a:solidFill>
+          </a:ln>
+        </p:spPr>
+        <p:style>
+          <a:lnRef idx="2">
+            <a:schemeClr val="accent1">
+              <a:shade val="15000"/>
+            </a:schemeClr>
+          </a:lnRef>
+          <a:fillRef idx="1">
+            <a:schemeClr val="accent1"/>
+          </a:fillRef>
+          <a:effectRef idx="0">
+            <a:schemeClr val="accent1"/>
+          </a:effectRef>
+          <a:fontRef idx="minor">
+            <a:schemeClr val="lt1"/>
+          </a:fontRef>
+        </p:style>
+        <p:txBody>
+          <a:bodyPr rtlCol="0" anchor="ctr"/>
+          <a:lstStyle/>
+          <a:p>
+            <a:pPr algn="ctr"/>
+            <a:endParaRPr lang="en-GB"/>
+          </a:p>
+        </p:txBody>
+      </p:sp>
+    </p:spTree>
+    <p:extLst>
+      <p:ext uri="{BB962C8B-B14F-4D97-AF65-F5344CB8AC3E}">
+        <p14:creationId xmlns:p14="http://schemas.microsoft.com/office/powerpoint/2010/main" val="3859489965"/>
       </p:ext>
     </p:extLst>
   </p:cSld>
